--- a/Figures.pptx
+++ b/Figures.pptx
@@ -105,6 +105,11 @@
       </a:defRPr>
     </a:lvl9pPr>
   </p:defaultTextStyle>
+  <p:extLst>
+    <p:ext uri="{EFAFB233-063F-42B5-8137-9DF3F51BA10A}">
+      <p15:sldGuideLst xmlns:p15="http://schemas.microsoft.com/office/powerpoint/2012/main"/>
+    </p:ext>
+  </p:extLst>
 </p:presentation>
 </file>
 
@@ -239,7 +244,7 @@
           <a:p>
             <a:fld id="{96F82D0F-018A-44C1-AB36-E63506F8ED0E}" type="datetimeFigureOut">
               <a:rPr lang="en-US" smtClean="0"/>
-              <a:t>10/11/2016</a:t>
+              <a:t>10/13/2016</a:t>
             </a:fld>
             <a:endParaRPr lang="en-US"/>
           </a:p>
@@ -409,7 +414,7 @@
           <a:p>
             <a:fld id="{96F82D0F-018A-44C1-AB36-E63506F8ED0E}" type="datetimeFigureOut">
               <a:rPr lang="en-US" smtClean="0"/>
-              <a:t>10/11/2016</a:t>
+              <a:t>10/13/2016</a:t>
             </a:fld>
             <a:endParaRPr lang="en-US"/>
           </a:p>
@@ -589,7 +594,7 @@
           <a:p>
             <a:fld id="{96F82D0F-018A-44C1-AB36-E63506F8ED0E}" type="datetimeFigureOut">
               <a:rPr lang="en-US" smtClean="0"/>
-              <a:t>10/11/2016</a:t>
+              <a:t>10/13/2016</a:t>
             </a:fld>
             <a:endParaRPr lang="en-US"/>
           </a:p>
@@ -759,7 +764,7 @@
           <a:p>
             <a:fld id="{96F82D0F-018A-44C1-AB36-E63506F8ED0E}" type="datetimeFigureOut">
               <a:rPr lang="en-US" smtClean="0"/>
-              <a:t>10/11/2016</a:t>
+              <a:t>10/13/2016</a:t>
             </a:fld>
             <a:endParaRPr lang="en-US"/>
           </a:p>
@@ -1005,7 +1010,7 @@
           <a:p>
             <a:fld id="{96F82D0F-018A-44C1-AB36-E63506F8ED0E}" type="datetimeFigureOut">
               <a:rPr lang="en-US" smtClean="0"/>
-              <a:t>10/11/2016</a:t>
+              <a:t>10/13/2016</a:t>
             </a:fld>
             <a:endParaRPr lang="en-US"/>
           </a:p>
@@ -1237,7 +1242,7 @@
           <a:p>
             <a:fld id="{96F82D0F-018A-44C1-AB36-E63506F8ED0E}" type="datetimeFigureOut">
               <a:rPr lang="en-US" smtClean="0"/>
-              <a:t>10/11/2016</a:t>
+              <a:t>10/13/2016</a:t>
             </a:fld>
             <a:endParaRPr lang="en-US"/>
           </a:p>
@@ -1604,7 +1609,7 @@
           <a:p>
             <a:fld id="{96F82D0F-018A-44C1-AB36-E63506F8ED0E}" type="datetimeFigureOut">
               <a:rPr lang="en-US" smtClean="0"/>
-              <a:t>10/11/2016</a:t>
+              <a:t>10/13/2016</a:t>
             </a:fld>
             <a:endParaRPr lang="en-US"/>
           </a:p>
@@ -1722,7 +1727,7 @@
           <a:p>
             <a:fld id="{96F82D0F-018A-44C1-AB36-E63506F8ED0E}" type="datetimeFigureOut">
               <a:rPr lang="en-US" smtClean="0"/>
-              <a:t>10/11/2016</a:t>
+              <a:t>10/13/2016</a:t>
             </a:fld>
             <a:endParaRPr lang="en-US"/>
           </a:p>
@@ -1817,7 +1822,7 @@
           <a:p>
             <a:fld id="{96F82D0F-018A-44C1-AB36-E63506F8ED0E}" type="datetimeFigureOut">
               <a:rPr lang="en-US" smtClean="0"/>
-              <a:t>10/11/2016</a:t>
+              <a:t>10/13/2016</a:t>
             </a:fld>
             <a:endParaRPr lang="en-US"/>
           </a:p>
@@ -2094,7 +2099,7 @@
           <a:p>
             <a:fld id="{96F82D0F-018A-44C1-AB36-E63506F8ED0E}" type="datetimeFigureOut">
               <a:rPr lang="en-US" smtClean="0"/>
-              <a:t>10/11/2016</a:t>
+              <a:t>10/13/2016</a:t>
             </a:fld>
             <a:endParaRPr lang="en-US"/>
           </a:p>
@@ -2347,7 +2352,7 @@
           <a:p>
             <a:fld id="{96F82D0F-018A-44C1-AB36-E63506F8ED0E}" type="datetimeFigureOut">
               <a:rPr lang="en-US" smtClean="0"/>
-              <a:t>10/11/2016</a:t>
+              <a:t>10/13/2016</a:t>
             </a:fld>
             <a:endParaRPr lang="en-US"/>
           </a:p>
@@ -2560,7 +2565,7 @@
           <a:p>
             <a:fld id="{96F82D0F-018A-44C1-AB36-E63506F8ED0E}" type="datetimeFigureOut">
               <a:rPr lang="en-US" smtClean="0"/>
-              <a:t>10/11/2016</a:t>
+              <a:t>10/13/2016</a:t>
             </a:fld>
             <a:endParaRPr lang="en-US"/>
           </a:p>
@@ -3100,8 +3105,8 @@
           </a:fontRef>
         </p:style>
       </p:cxnSp>
-      <mc:AlternateContent xmlns:mc="http://schemas.openxmlformats.org/markup-compatibility/2006">
-        <mc:Choice xmlns:a14="http://schemas.microsoft.com/office/drawing/2010/main" Requires="a14">
+      <mc:AlternateContent xmlns:mc="http://schemas.openxmlformats.org/markup-compatibility/2006" xmlns:a14="http://schemas.microsoft.com/office/drawing/2010/main">
+        <mc:Choice Requires="a14">
           <p:sp>
             <p:nvSpPr>
               <p:cNvPr id="6" name="TextBox 5"/>
@@ -3124,6 +3129,7 @@
               </a:bodyPr>
               <a:lstStyle/>
               <a:p>
+                <a:pPr/>
                 <a14:m>
                   <m:oMathPara xmlns:m="http://schemas.openxmlformats.org/officeDocument/2006/math">
                     <m:oMathParaPr>
@@ -3147,7 +3153,7 @@
             </p:txBody>
           </p:sp>
         </mc:Choice>
-        <mc:Fallback>
+        <mc:Fallback xmlns="">
           <p:sp>
             <p:nvSpPr>
               <p:cNvPr id="6" name="TextBox 5"/>
@@ -3223,8 +3229,8 @@
           </a:fontRef>
         </p:style>
       </p:cxnSp>
-      <mc:AlternateContent xmlns:mc="http://schemas.openxmlformats.org/markup-compatibility/2006">
-        <mc:Choice xmlns:a14="http://schemas.microsoft.com/office/drawing/2010/main" Requires="a14">
+      <mc:AlternateContent xmlns:mc="http://schemas.openxmlformats.org/markup-compatibility/2006" xmlns:a14="http://schemas.microsoft.com/office/drawing/2010/main">
+        <mc:Choice Requires="a14">
           <p:sp>
             <p:nvSpPr>
               <p:cNvPr id="11" name="TextBox 10"/>
@@ -3247,6 +3253,7 @@
               </a:bodyPr>
               <a:lstStyle/>
               <a:p>
+                <a:pPr/>
                 <a14:m>
                   <m:oMathPara xmlns:m="http://schemas.openxmlformats.org/officeDocument/2006/math">
                     <m:oMathParaPr>
@@ -3270,7 +3277,7 @@
             </p:txBody>
           </p:sp>
         </mc:Choice>
-        <mc:Fallback>
+        <mc:Fallback xmlns="">
           <p:sp>
             <p:nvSpPr>
               <p:cNvPr id="11" name="TextBox 10"/>
@@ -3346,8 +3353,8 @@
           </a:fontRef>
         </p:style>
       </p:cxnSp>
-      <mc:AlternateContent xmlns:mc="http://schemas.openxmlformats.org/markup-compatibility/2006">
-        <mc:Choice xmlns:a14="http://schemas.microsoft.com/office/drawing/2010/main" Requires="a14">
+      <mc:AlternateContent xmlns:mc="http://schemas.openxmlformats.org/markup-compatibility/2006" xmlns:a14="http://schemas.microsoft.com/office/drawing/2010/main">
+        <mc:Choice Requires="a14">
           <p:sp>
             <p:nvSpPr>
               <p:cNvPr id="14" name="TextBox 13"/>
@@ -3370,6 +3377,7 @@
               </a:bodyPr>
               <a:lstStyle/>
               <a:p>
+                <a:pPr/>
                 <a14:m>
                   <m:oMathPara xmlns:m="http://schemas.openxmlformats.org/officeDocument/2006/math">
                     <m:oMathParaPr>
@@ -3390,7 +3398,7 @@
             </p:txBody>
           </p:sp>
         </mc:Choice>
-        <mc:Fallback>
+        <mc:Fallback xmlns="">
           <p:sp>
             <p:nvSpPr>
               <p:cNvPr id="14" name="TextBox 13"/>
@@ -3466,8 +3474,8 @@
           </a:fontRef>
         </p:style>
       </p:cxnSp>
-      <mc:AlternateContent xmlns:mc="http://schemas.openxmlformats.org/markup-compatibility/2006">
-        <mc:Choice xmlns:a14="http://schemas.microsoft.com/office/drawing/2010/main" Requires="a14">
+      <mc:AlternateContent xmlns:mc="http://schemas.openxmlformats.org/markup-compatibility/2006" xmlns:a14="http://schemas.microsoft.com/office/drawing/2010/main">
+        <mc:Choice Requires="a14">
           <p:sp>
             <p:nvSpPr>
               <p:cNvPr id="17" name="TextBox 16"/>
@@ -3490,6 +3498,7 @@
               </a:bodyPr>
               <a:lstStyle/>
               <a:p>
+                <a:pPr/>
                 <a14:m>
                   <m:oMathPara xmlns:m="http://schemas.openxmlformats.org/officeDocument/2006/math">
                     <m:oMathParaPr>
@@ -3510,7 +3519,7 @@
             </p:txBody>
           </p:sp>
         </mc:Choice>
-        <mc:Fallback>
+        <mc:Fallback xmlns="">
           <p:sp>
             <p:nvSpPr>
               <p:cNvPr id="17" name="TextBox 16"/>
@@ -3788,6 +3797,7 @@
             <a:solidFill>
               <a:schemeClr val="tx1"/>
             </a:solidFill>
+            <a:prstDash val="dash"/>
           </a:ln>
         </p:spPr>
         <p:style>
@@ -3823,6 +3833,7 @@
             <a:solidFill>
               <a:schemeClr val="tx1"/>
             </a:solidFill>
+            <a:prstDash val="dash"/>
           </a:ln>
         </p:spPr>
         <p:style>
@@ -3886,8 +3897,8 @@
           </a:p>
         </p:txBody>
       </p:sp>
-      <mc:AlternateContent xmlns:mc="http://schemas.openxmlformats.org/markup-compatibility/2006">
-        <mc:Choice xmlns:a14="http://schemas.microsoft.com/office/drawing/2010/main" Requires="a14">
+      <mc:AlternateContent xmlns:mc="http://schemas.openxmlformats.org/markup-compatibility/2006" xmlns:a14="http://schemas.microsoft.com/office/drawing/2010/main">
+        <mc:Choice Requires="a14">
           <p:sp>
             <p:nvSpPr>
               <p:cNvPr id="15" name="TextBox 14"/>
@@ -3910,6 +3921,7 @@
               </a:bodyPr>
               <a:lstStyle/>
               <a:p>
+                <a:pPr/>
                 <a14:m>
                   <m:oMathPara xmlns:m="http://schemas.openxmlformats.org/officeDocument/2006/math">
                     <m:oMathParaPr>
@@ -3930,7 +3942,7 @@
             </p:txBody>
           </p:sp>
         </mc:Choice>
-        <mc:Fallback>
+        <mc:Fallback xmlns="">
           <p:sp>
             <p:nvSpPr>
               <p:cNvPr id="15" name="TextBox 14"/>
@@ -4166,8 +4178,8 @@
           </a:p>
         </p:txBody>
       </p:sp>
-      <mc:AlternateContent xmlns:mc="http://schemas.openxmlformats.org/markup-compatibility/2006">
-        <mc:Choice xmlns:a14="http://schemas.microsoft.com/office/drawing/2010/main" Requires="a14">
+      <mc:AlternateContent xmlns:mc="http://schemas.openxmlformats.org/markup-compatibility/2006" xmlns:a14="http://schemas.microsoft.com/office/drawing/2010/main">
+        <mc:Choice Requires="a14">
           <p:sp>
             <p:nvSpPr>
               <p:cNvPr id="30" name="TextBox 29"/>
@@ -4190,6 +4202,7 @@
               </a:bodyPr>
               <a:lstStyle/>
               <a:p>
+                <a:pPr/>
                 <a14:m>
                   <m:oMathPara xmlns:m="http://schemas.openxmlformats.org/officeDocument/2006/math">
                     <m:oMathParaPr>
@@ -4210,7 +4223,7 @@
             </p:txBody>
           </p:sp>
         </mc:Choice>
-        <mc:Fallback>
+        <mc:Fallback xmlns="">
           <p:sp>
             <p:nvSpPr>
               <p:cNvPr id="30" name="TextBox 29"/>
@@ -4249,8 +4262,8 @@
           </p:sp>
         </mc:Fallback>
       </mc:AlternateContent>
-      <mc:AlternateContent xmlns:mc="http://schemas.openxmlformats.org/markup-compatibility/2006">
-        <mc:Choice xmlns:a14="http://schemas.microsoft.com/office/drawing/2010/main" Requires="a14">
+      <mc:AlternateContent xmlns:mc="http://schemas.openxmlformats.org/markup-compatibility/2006" xmlns:a14="http://schemas.microsoft.com/office/drawing/2010/main">
+        <mc:Choice Requires="a14">
           <p:sp>
             <p:nvSpPr>
               <p:cNvPr id="31" name="TextBox 30"/>
@@ -4273,6 +4286,7 @@
               </a:bodyPr>
               <a:lstStyle/>
               <a:p>
+                <a:pPr/>
                 <a14:m>
                   <m:oMathPara xmlns:m="http://schemas.openxmlformats.org/officeDocument/2006/math">
                     <m:oMathParaPr>
@@ -4293,7 +4307,7 @@
             </p:txBody>
           </p:sp>
         </mc:Choice>
-        <mc:Fallback>
+        <mc:Fallback xmlns="">
           <p:sp>
             <p:nvSpPr>
               <p:cNvPr id="31" name="TextBox 30"/>
@@ -4378,8 +4392,8 @@
           </a:p>
         </p:txBody>
       </p:sp>
-      <mc:AlternateContent xmlns:mc="http://schemas.openxmlformats.org/markup-compatibility/2006">
-        <mc:Choice xmlns:a14="http://schemas.microsoft.com/office/drawing/2010/main" Requires="a14">
+      <mc:AlternateContent xmlns:mc="http://schemas.openxmlformats.org/markup-compatibility/2006" xmlns:a14="http://schemas.microsoft.com/office/drawing/2010/main">
+        <mc:Choice Requires="a14">
           <p:sp>
             <p:nvSpPr>
               <p:cNvPr id="33" name="TextBox 32"/>
@@ -4402,6 +4416,7 @@
               </a:bodyPr>
               <a:lstStyle/>
               <a:p>
+                <a:pPr/>
                 <a14:m>
                   <m:oMathPara xmlns:m="http://schemas.openxmlformats.org/officeDocument/2006/math">
                     <m:oMathParaPr>
@@ -4422,7 +4437,7 @@
             </p:txBody>
           </p:sp>
         </mc:Choice>
-        <mc:Fallback>
+        <mc:Fallback xmlns="">
           <p:sp>
             <p:nvSpPr>
               <p:cNvPr id="33" name="TextBox 32"/>
@@ -4469,7 +4484,7 @@
         </p:nvSpPr>
         <p:spPr>
           <a:xfrm>
-            <a:off x="522969" y="3640611"/>
+            <a:off x="1042572" y="3170852"/>
             <a:ext cx="904478" cy="369332"/>
           </a:xfrm>
           <a:prstGeom prst="rect">
@@ -4537,8 +4552,8 @@
           </a:p>
         </p:txBody>
       </p:sp>
-      <mc:AlternateContent xmlns:mc="http://schemas.openxmlformats.org/markup-compatibility/2006">
-        <mc:Choice xmlns:a14="http://schemas.microsoft.com/office/drawing/2010/main" Requires="a14">
+      <mc:AlternateContent xmlns:mc="http://schemas.openxmlformats.org/markup-compatibility/2006" xmlns:a14="http://schemas.microsoft.com/office/drawing/2010/main">
+        <mc:Choice Requires="a14">
           <p:sp>
             <p:nvSpPr>
               <p:cNvPr id="36" name="TextBox 35"/>
@@ -4561,6 +4576,7 @@
               </a:bodyPr>
               <a:lstStyle/>
               <a:p>
+                <a:pPr/>
                 <a14:m>
                   <m:oMathPara xmlns:m="http://schemas.openxmlformats.org/officeDocument/2006/math">
                     <m:oMathParaPr>
@@ -4600,7 +4616,7 @@
             </p:txBody>
           </p:sp>
         </mc:Choice>
-        <mc:Fallback>
+        <mc:Fallback xmlns="">
           <p:sp>
             <p:nvSpPr>
               <p:cNvPr id="36" name="TextBox 35"/>
@@ -4641,77 +4657,6 @@
       </mc:AlternateContent>
       <p:cxnSp>
         <p:nvCxnSpPr>
-          <p:cNvPr id="38" name="Straight Connector 37"/>
-          <p:cNvCxnSpPr/>
-          <p:nvPr/>
-        </p:nvCxnSpPr>
-        <p:spPr>
-          <a:xfrm>
-            <a:off x="635000" y="2438400"/>
-            <a:ext cx="8902700" cy="0"/>
-          </a:xfrm>
-          <a:prstGeom prst="line">
-            <a:avLst/>
-          </a:prstGeom>
-          <a:ln>
-            <a:solidFill>
-              <a:schemeClr val="tx1"/>
-            </a:solidFill>
-            <a:prstDash val="dash"/>
-          </a:ln>
-        </p:spPr>
-        <p:style>
-          <a:lnRef idx="1">
-            <a:schemeClr val="accent1"/>
-          </a:lnRef>
-          <a:fillRef idx="0">
-            <a:schemeClr val="accent1"/>
-          </a:fillRef>
-          <a:effectRef idx="0">
-            <a:schemeClr val="accent1"/>
-          </a:effectRef>
-          <a:fontRef idx="minor">
-            <a:schemeClr val="tx1"/>
-          </a:fontRef>
-        </p:style>
-      </p:cxnSp>
-      <p:cxnSp>
-        <p:nvCxnSpPr>
-          <p:cNvPr id="40" name="Straight Connector 39"/>
-          <p:cNvCxnSpPr/>
-          <p:nvPr/>
-        </p:nvCxnSpPr>
-        <p:spPr>
-          <a:xfrm>
-            <a:off x="635000" y="2692400"/>
-            <a:ext cx="8902700" cy="0"/>
-          </a:xfrm>
-          <a:prstGeom prst="line">
-            <a:avLst/>
-          </a:prstGeom>
-          <a:ln>
-            <a:solidFill>
-              <a:schemeClr val="tx1"/>
-            </a:solidFill>
-          </a:ln>
-        </p:spPr>
-        <p:style>
-          <a:lnRef idx="1">
-            <a:schemeClr val="accent1"/>
-          </a:lnRef>
-          <a:fillRef idx="0">
-            <a:schemeClr val="accent1"/>
-          </a:fillRef>
-          <a:effectRef idx="0">
-            <a:schemeClr val="accent1"/>
-          </a:effectRef>
-          <a:fontRef idx="minor">
-            <a:schemeClr val="tx1"/>
-          </a:fontRef>
-        </p:style>
-      </p:cxnSp>
-      <p:cxnSp>
-        <p:nvCxnSpPr>
           <p:cNvPr id="41" name="Straight Connector 40"/>
           <p:cNvCxnSpPr/>
           <p:nvPr/>
@@ -4756,7 +4701,7 @@
             <p:spPr>
               <a:xfrm>
                 <a:off x="6661161" y="2104724"/>
-                <a:ext cx="424860" cy="369332"/>
+                <a:ext cx="380232" cy="369332"/>
               </a:xfrm>
               <a:prstGeom prst="rect">
                 <a:avLst/>
@@ -4769,41 +4714,23 @@
               </a:bodyPr>
               <a:lstStyle/>
               <a:p>
+                <a:pPr/>
                 <a14:m>
                   <m:oMathPara xmlns:m="http://schemas.openxmlformats.org/officeDocument/2006/math">
                     <m:oMathParaPr>
                       <m:jc m:val="centerGroup"/>
                     </m:oMathParaPr>
                     <m:oMath xmlns:m="http://schemas.openxmlformats.org/officeDocument/2006/math">
-                      <m:sSub>
-                        <m:sSubPr>
-                          <m:ctrlPr>
-                            <a:rPr lang="en-US" b="0" i="1" smtClean="0">
-                              <a:latin typeface="Cambria Math" panose="02040503050406030204" pitchFamily="18" charset="0"/>
-                            </a:rPr>
-                          </m:ctrlPr>
-                        </m:sSubPr>
-                        <m:e>
-                          <m:r>
-                            <a:rPr lang="en-US" b="0" i="1" smtClean="0">
-                              <a:latin typeface="Cambria Math" panose="02040503050406030204" pitchFamily="18" charset="0"/>
-                            </a:rPr>
-                            <m:t>𝐼</m:t>
-                          </m:r>
-                        </m:e>
-                        <m:sub>
-                          <m:r>
-                            <a:rPr lang="en-US" b="0" i="1" smtClean="0">
-                              <a:latin typeface="Cambria Math" panose="02040503050406030204" pitchFamily="18" charset="0"/>
-                            </a:rPr>
-                            <m:t>𝑜</m:t>
-                          </m:r>
-                        </m:sub>
-                      </m:sSub>
+                      <m:r>
+                        <a:rPr lang="en-US" b="1" i="1" smtClean="0">
+                          <a:latin typeface="Cambria Math" panose="02040503050406030204" pitchFamily="18" charset="0"/>
+                        </a:rPr>
+                        <m:t>𝒑</m:t>
+                      </m:r>
                     </m:oMath>
                   </m:oMathPara>
                 </a14:m>
-                <a:endParaRPr lang="en-US" i="1" dirty="0"/>
+                <a:endParaRPr lang="en-US" b="1" i="1" dirty="0"/>
               </a:p>
             </p:txBody>
           </p:sp>
@@ -4820,7 +4747,7 @@
             <p:spPr>
               <a:xfrm>
                 <a:off x="6661161" y="2104724"/>
-                <a:ext cx="424860" cy="369332"/>
+                <a:ext cx="380232" cy="369332"/>
               </a:xfrm>
               <a:prstGeom prst="rect">
                 <a:avLst/>
@@ -4828,7 +4755,7 @@
               <a:blipFill rotWithShape="0">
                 <a:blip r:embed="rId7"/>
                 <a:stretch>
-                  <a:fillRect/>
+                  <a:fillRect b="-6557"/>
                 </a:stretch>
               </a:blipFill>
             </p:spPr>
@@ -4858,7 +4785,7 @@
             <p:spPr>
               <a:xfrm>
                 <a:off x="5633444" y="2692400"/>
-                <a:ext cx="424860" cy="369332"/>
+                <a:ext cx="449097" cy="369332"/>
               </a:xfrm>
               <a:prstGeom prst="rect">
                 <a:avLst/>
@@ -4871,36 +4798,29 @@
               </a:bodyPr>
               <a:lstStyle/>
               <a:p>
+                <a:pPr/>
                 <a14:m>
                   <m:oMathPara xmlns:m="http://schemas.openxmlformats.org/officeDocument/2006/math">
                     <m:oMathParaPr>
                       <m:jc m:val="centerGroup"/>
                     </m:oMathParaPr>
                     <m:oMath xmlns:m="http://schemas.openxmlformats.org/officeDocument/2006/math">
-                      <m:sSubSup>
-                        <m:sSubSupPr>
+                      <m:sSup>
+                        <m:sSupPr>
                           <m:ctrlPr>
                             <a:rPr lang="en-US" b="0" i="1" smtClean="0">
                               <a:latin typeface="Cambria Math" panose="02040503050406030204" pitchFamily="18" charset="0"/>
                             </a:rPr>
                           </m:ctrlPr>
-                        </m:sSubSupPr>
+                        </m:sSupPr>
                         <m:e>
                           <m:r>
-                            <a:rPr lang="en-US" b="0" i="1" smtClean="0">
+                            <a:rPr lang="en-US" b="1" i="1" smtClean="0">
                               <a:latin typeface="Cambria Math" panose="02040503050406030204" pitchFamily="18" charset="0"/>
                             </a:rPr>
-                            <m:t>𝐼</m:t>
+                            <m:t>𝒑</m:t>
                           </m:r>
                         </m:e>
-                        <m:sub>
-                          <m:r>
-                            <a:rPr lang="en-US" b="0" i="1" smtClean="0">
-                              <a:latin typeface="Cambria Math" panose="02040503050406030204" pitchFamily="18" charset="0"/>
-                            </a:rPr>
-                            <m:t>𝑜</m:t>
-                          </m:r>
-                        </m:sub>
                         <m:sup>
                           <m:r>
                             <a:rPr lang="en-US" b="0" i="1" smtClean="0">
@@ -4909,7 +4829,7 @@
                             <m:t>′</m:t>
                           </m:r>
                         </m:sup>
-                      </m:sSubSup>
+                      </m:sSup>
                     </m:oMath>
                   </m:oMathPara>
                 </a14:m>
@@ -4930,7 +4850,7 @@
             <p:spPr>
               <a:xfrm>
                 <a:off x="5633444" y="2692400"/>
-                <a:ext cx="424860" cy="369332"/>
+                <a:ext cx="449097" cy="369332"/>
               </a:xfrm>
               <a:prstGeom prst="rect">
                 <a:avLst/>
@@ -4938,7 +4858,7 @@
               <a:blipFill rotWithShape="0">
                 <a:blip r:embed="rId8"/>
                 <a:stretch>
-                  <a:fillRect/>
+                  <a:fillRect b="-6667"/>
                 </a:stretch>
               </a:blipFill>
             </p:spPr>
@@ -4957,6 +4877,70 @@
           </p:sp>
         </mc:Fallback>
       </mc:AlternateContent>
+      <p:sp>
+        <p:nvSpPr>
+          <p:cNvPr id="26" name="TextBox 25"/>
+          <p:cNvSpPr txBox="1"/>
+          <p:nvPr/>
+        </p:nvSpPr>
+        <p:spPr>
+          <a:xfrm>
+            <a:off x="6449175" y="6255267"/>
+            <a:ext cx="2115964" cy="369332"/>
+          </a:xfrm>
+          <a:prstGeom prst="rect">
+            <a:avLst/>
+          </a:prstGeom>
+          <a:noFill/>
+        </p:spPr>
+        <p:txBody>
+          <a:bodyPr wrap="none" rtlCol="0">
+            <a:spAutoFit/>
+          </a:bodyPr>
+          <a:lstStyle/>
+          <a:p>
+            <a:r>
+              <a:rPr lang="en-US" dirty="0" smtClean="0"/>
+              <a:t>Original i</a:t>
+            </a:r>
+            <a:r>
+              <a:rPr lang="en-US" dirty="0" smtClean="0"/>
+              <a:t>mage plane</a:t>
+            </a:r>
+            <a:endParaRPr lang="en-US" dirty="0"/>
+          </a:p>
+        </p:txBody>
+      </p:sp>
+      <p:sp>
+        <p:nvSpPr>
+          <p:cNvPr id="27" name="TextBox 26"/>
+          <p:cNvSpPr txBox="1"/>
+          <p:nvPr/>
+        </p:nvSpPr>
+        <p:spPr>
+          <a:xfrm>
+            <a:off x="4492320" y="6255267"/>
+            <a:ext cx="1816651" cy="369332"/>
+          </a:xfrm>
+          <a:prstGeom prst="rect">
+            <a:avLst/>
+          </a:prstGeom>
+          <a:noFill/>
+        </p:spPr>
+        <p:txBody>
+          <a:bodyPr wrap="none" rtlCol="0">
+            <a:spAutoFit/>
+          </a:bodyPr>
+          <a:lstStyle/>
+          <a:p>
+            <a:r>
+              <a:rPr lang="en-US" dirty="0" smtClean="0"/>
+              <a:t>New image plane</a:t>
+            </a:r>
+            <a:endParaRPr lang="en-US" dirty="0"/>
+          </a:p>
+        </p:txBody>
+      </p:sp>
     </p:spTree>
     <p:extLst>
       <p:ext uri="{BB962C8B-B14F-4D97-AF65-F5344CB8AC3E}">
